--- a/trunk/slides/Keystone PCI Express.pptx
+++ b/trunk/slides/Keystone PCI Express.pptx
@@ -38,6 +38,9 @@
   </p:sldIdLst>
   <p:sldSz cx="9144000" cy="6858000" type="screen4x3"/>
   <p:notesSz cx="7315200" cy="9601200"/>
+  <p:custDataLst>
+    <p:tags r:id="rId30"/>
+  </p:custDataLst>
   <p:defaultTextStyle>
     <a:defPPr>
       <a:defRPr lang="en-US"/>
@@ -281,7 +284,7 @@
         <p:nvSpPr>
           <p:cNvPr id="6148" name="Rectangle 4"/>
           <p:cNvSpPr>
-            <a:spLocks noRot="1" noChangeArrowheads="1" noTextEdit="1"/>
+            <a:spLocks noGrp="1" noRot="1" noChangeAspect="1" noChangeArrowheads="1" noTextEdit="1"/>
           </p:cNvSpPr>
           <p:nvPr>
             <p:ph type="sldImg" idx="2"/>
@@ -460,7 +463,7 @@
             </a:lvl1pPr>
           </a:lstStyle>
           <a:p>
-            <a:fld id="{07917964-5FB9-44C9-97FC-113D54A014B5}" type="slidenum">
+            <a:fld id="{7D85CFDE-532E-417C-A2AD-0C5C8E337136}" type="slidenum">
               <a:rPr lang="en-US"/>
               <a:pPr/>
               <a:t>‹#›</a:t>
@@ -631,7 +634,7 @@
           <a:bodyPr/>
           <a:lstStyle/>
           <a:p>
-            <a:fld id="{EE4F32FA-5F71-44DB-B877-75AC3A483B1D}" type="slidenum">
+            <a:fld id="{A7B9A170-3E73-479C-8127-828FA6828185}" type="slidenum">
               <a:rPr lang="en-US"/>
               <a:pPr/>
               <a:t>1</a:t>
@@ -644,7 +647,7 @@
         <p:nvSpPr>
           <p:cNvPr id="185346" name="Rectangle 2"/>
           <p:cNvSpPr>
-            <a:spLocks noRot="1" noChangeArrowheads="1" noTextEdit="1"/>
+            <a:spLocks noGrp="1" noRot="1" noChangeAspect="1" noChangeArrowheads="1" noTextEdit="1"/>
           </p:cNvSpPr>
           <p:nvPr>
             <p:ph type="sldImg"/>
@@ -746,7 +749,7 @@
           <a:bodyPr/>
           <a:lstStyle/>
           <a:p>
-            <a:fld id="{07917964-5FB9-44C9-97FC-113D54A014B5}" type="slidenum">
+            <a:fld id="{7D85CFDE-532E-417C-A2AD-0C5C8E337136}" type="slidenum">
               <a:rPr lang="en-US" smtClean="0"/>
               <a:pPr/>
               <a:t>10</a:t>
@@ -828,7 +831,7 @@
           <a:bodyPr/>
           <a:lstStyle/>
           <a:p>
-            <a:fld id="{07917964-5FB9-44C9-97FC-113D54A014B5}" type="slidenum">
+            <a:fld id="{7D85CFDE-532E-417C-A2AD-0C5C8E337136}" type="slidenum">
               <a:rPr lang="en-US" smtClean="0"/>
               <a:pPr/>
               <a:t>11</a:t>
@@ -910,7 +913,7 @@
           <a:bodyPr/>
           <a:lstStyle/>
           <a:p>
-            <a:fld id="{07917964-5FB9-44C9-97FC-113D54A014B5}" type="slidenum">
+            <a:fld id="{7D85CFDE-532E-417C-A2AD-0C5C8E337136}" type="slidenum">
               <a:rPr lang="en-US" smtClean="0"/>
               <a:pPr/>
               <a:t>12</a:t>
@@ -992,7 +995,7 @@
           <a:bodyPr/>
           <a:lstStyle/>
           <a:p>
-            <a:fld id="{07917964-5FB9-44C9-97FC-113D54A014B5}" type="slidenum">
+            <a:fld id="{7D85CFDE-532E-417C-A2AD-0C5C8E337136}" type="slidenum">
               <a:rPr lang="en-US" smtClean="0"/>
               <a:pPr/>
               <a:t>13</a:t>
@@ -1074,7 +1077,7 @@
           <a:bodyPr/>
           <a:lstStyle/>
           <a:p>
-            <a:fld id="{07917964-5FB9-44C9-97FC-113D54A014B5}" type="slidenum">
+            <a:fld id="{7D85CFDE-532E-417C-A2AD-0C5C8E337136}" type="slidenum">
               <a:rPr lang="en-US" smtClean="0"/>
               <a:pPr/>
               <a:t>14</a:t>
@@ -1156,7 +1159,7 @@
           <a:bodyPr/>
           <a:lstStyle/>
           <a:p>
-            <a:fld id="{07917964-5FB9-44C9-97FC-113D54A014B5}" type="slidenum">
+            <a:fld id="{7D85CFDE-532E-417C-A2AD-0C5C8E337136}" type="slidenum">
               <a:rPr lang="en-US" smtClean="0"/>
               <a:pPr/>
               <a:t>15</a:t>
@@ -1238,7 +1241,7 @@
           <a:bodyPr/>
           <a:lstStyle/>
           <a:p>
-            <a:fld id="{07917964-5FB9-44C9-97FC-113D54A014B5}" type="slidenum">
+            <a:fld id="{7D85CFDE-532E-417C-A2AD-0C5C8E337136}" type="slidenum">
               <a:rPr lang="en-US" smtClean="0"/>
               <a:pPr/>
               <a:t>16</a:t>
@@ -1320,7 +1323,7 @@
           <a:bodyPr/>
           <a:lstStyle/>
           <a:p>
-            <a:fld id="{07917964-5FB9-44C9-97FC-113D54A014B5}" type="slidenum">
+            <a:fld id="{7D85CFDE-532E-417C-A2AD-0C5C8E337136}" type="slidenum">
               <a:rPr lang="en-US" smtClean="0"/>
               <a:pPr/>
               <a:t>17</a:t>
@@ -1402,7 +1405,7 @@
           <a:bodyPr/>
           <a:lstStyle/>
           <a:p>
-            <a:fld id="{07917964-5FB9-44C9-97FC-113D54A014B5}" type="slidenum">
+            <a:fld id="{7D85CFDE-532E-417C-A2AD-0C5C8E337136}" type="slidenum">
               <a:rPr lang="en-US" smtClean="0"/>
               <a:pPr/>
               <a:t>18</a:t>
@@ -1453,7 +1456,7 @@
           <a:bodyPr/>
           <a:lstStyle/>
           <a:p>
-            <a:fld id="{4651AAA1-7690-49F3-9642-B39F7BAF96CA}" type="slidenum">
+            <a:fld id="{B3CFDAF9-0B1A-4D87-ADA2-A3F7EB2F6672}" type="slidenum">
               <a:rPr lang="en-US"/>
               <a:pPr/>
               <a:t>19</a:t>
@@ -1466,7 +1469,7 @@
         <p:nvSpPr>
           <p:cNvPr id="191490" name="Rectangle 2"/>
           <p:cNvSpPr>
-            <a:spLocks noRot="1" noChangeArrowheads="1" noTextEdit="1"/>
+            <a:spLocks noGrp="1" noRot="1" noChangeAspect="1" noChangeArrowheads="1" noTextEdit="1"/>
           </p:cNvSpPr>
           <p:nvPr>
             <p:ph type="sldImg"/>
@@ -1568,7 +1571,7 @@
           <a:bodyPr/>
           <a:lstStyle/>
           <a:p>
-            <a:fld id="{07917964-5FB9-44C9-97FC-113D54A014B5}" type="slidenum">
+            <a:fld id="{7D85CFDE-532E-417C-A2AD-0C5C8E337136}" type="slidenum">
               <a:rPr lang="en-US" smtClean="0"/>
               <a:pPr/>
               <a:t>2</a:t>
@@ -1619,7 +1622,7 @@
           <a:bodyPr/>
           <a:lstStyle/>
           <a:p>
-            <a:fld id="{C4571D78-E851-4302-86E8-86E323C9E3DB}" type="slidenum">
+            <a:fld id="{228C8C02-5EE8-4262-862F-A8551B7626C9}" type="slidenum">
               <a:rPr lang="en-US"/>
               <a:pPr/>
               <a:t>20</a:t>
@@ -1632,7 +1635,7 @@
         <p:nvSpPr>
           <p:cNvPr id="207874" name="Rectangle 2"/>
           <p:cNvSpPr>
-            <a:spLocks noRot="1" noChangeArrowheads="1" noTextEdit="1"/>
+            <a:spLocks noGrp="1" noRot="1" noChangeAspect="1" noChangeArrowheads="1" noTextEdit="1"/>
           </p:cNvSpPr>
           <p:nvPr>
             <p:ph type="sldImg"/>
@@ -1703,7 +1706,7 @@
           <a:bodyPr/>
           <a:lstStyle/>
           <a:p>
-            <a:fld id="{D15665F5-F067-4F1B-BC18-84384ED78121}" type="slidenum">
+            <a:fld id="{6311ADA9-E6CB-404B-9DE6-A13F939C631D}" type="slidenum">
               <a:rPr lang="en-US"/>
               <a:pPr/>
               <a:t>21</a:t>
@@ -1716,7 +1719,7 @@
         <p:nvSpPr>
           <p:cNvPr id="226306" name="Rectangle 2"/>
           <p:cNvSpPr>
-            <a:spLocks noRot="1" noChangeArrowheads="1" noTextEdit="1"/>
+            <a:spLocks noGrp="1" noRot="1" noChangeAspect="1" noChangeArrowheads="1" noTextEdit="1"/>
           </p:cNvSpPr>
           <p:nvPr>
             <p:ph type="sldImg"/>
@@ -1818,7 +1821,7 @@
           <a:bodyPr/>
           <a:lstStyle/>
           <a:p>
-            <a:fld id="{07917964-5FB9-44C9-97FC-113D54A014B5}" type="slidenum">
+            <a:fld id="{7D85CFDE-532E-417C-A2AD-0C5C8E337136}" type="slidenum">
               <a:rPr lang="en-US" smtClean="0"/>
               <a:pPr/>
               <a:t>22</a:t>
@@ -1900,7 +1903,7 @@
           <a:bodyPr/>
           <a:lstStyle/>
           <a:p>
-            <a:fld id="{07917964-5FB9-44C9-97FC-113D54A014B5}" type="slidenum">
+            <a:fld id="{7D85CFDE-532E-417C-A2AD-0C5C8E337136}" type="slidenum">
               <a:rPr lang="en-US" smtClean="0"/>
               <a:pPr/>
               <a:t>3</a:t>
@@ -1982,7 +1985,7 @@
           <a:bodyPr/>
           <a:lstStyle/>
           <a:p>
-            <a:fld id="{07917964-5FB9-44C9-97FC-113D54A014B5}" type="slidenum">
+            <a:fld id="{7D85CFDE-532E-417C-A2AD-0C5C8E337136}" type="slidenum">
               <a:rPr lang="en-US" smtClean="0"/>
               <a:pPr/>
               <a:t>4</a:t>
@@ -2033,7 +2036,7 @@
           <a:bodyPr/>
           <a:lstStyle/>
           <a:p>
-            <a:fld id="{22BF8C4D-3013-4381-A68B-CC4C205AE633}" type="slidenum">
+            <a:fld id="{ADD018D9-6479-4677-83CA-418F3768BBDE}" type="slidenum">
               <a:rPr lang="en-US"/>
               <a:pPr/>
               <a:t>5</a:t>
@@ -2071,7 +2074,7 @@
           <a:lstStyle/>
           <a:p>
             <a:pPr algn="r" defTabSz="957263"/>
-            <a:fld id="{ECED2320-75B8-4E0B-B562-FCC245C37A26}" type="slidenum">
+            <a:fld id="{DC86283E-62FA-47B2-B253-CB515B92A8A4}" type="slidenum">
               <a:rPr lang="en-US" sz="1300"/>
               <a:pPr algn="r" defTabSz="957263"/>
               <a:t>5</a:t>
@@ -2109,7 +2112,7 @@
           <a:lstStyle/>
           <a:p>
             <a:pPr algn="r" defTabSz="957263"/>
-            <a:fld id="{3CF2194B-867B-4296-89D9-E91AF937142B}" type="slidenum">
+            <a:fld id="{A4708B2D-3490-4202-87F2-8BCE5EF8FEA1}" type="slidenum">
               <a:rPr lang="en-US" sz="1300">
                 <a:cs typeface="Arial" charset="0"/>
               </a:rPr>
@@ -2240,7 +2243,7 @@
           <a:bodyPr/>
           <a:lstStyle/>
           <a:p>
-            <a:fld id="{07917964-5FB9-44C9-97FC-113D54A014B5}" type="slidenum">
+            <a:fld id="{7D85CFDE-532E-417C-A2AD-0C5C8E337136}" type="slidenum">
               <a:rPr lang="en-US" smtClean="0"/>
               <a:pPr/>
               <a:t>6</a:t>
@@ -2322,7 +2325,7 @@
           <a:bodyPr/>
           <a:lstStyle/>
           <a:p>
-            <a:fld id="{07917964-5FB9-44C9-97FC-113D54A014B5}" type="slidenum">
+            <a:fld id="{7D85CFDE-532E-417C-A2AD-0C5C8E337136}" type="slidenum">
               <a:rPr lang="en-US" smtClean="0"/>
               <a:pPr/>
               <a:t>7</a:t>
@@ -2404,7 +2407,7 @@
           <a:bodyPr/>
           <a:lstStyle/>
           <a:p>
-            <a:fld id="{07917964-5FB9-44C9-97FC-113D54A014B5}" type="slidenum">
+            <a:fld id="{7D85CFDE-532E-417C-A2AD-0C5C8E337136}" type="slidenum">
               <a:rPr lang="en-US" smtClean="0"/>
               <a:pPr/>
               <a:t>8</a:t>
@@ -2486,7 +2489,7 @@
           <a:bodyPr/>
           <a:lstStyle/>
           <a:p>
-            <a:fld id="{07917964-5FB9-44C9-97FC-113D54A014B5}" type="slidenum">
+            <a:fld id="{7D85CFDE-532E-417C-A2AD-0C5C8E337136}" type="slidenum">
               <a:rPr lang="en-US" smtClean="0"/>
               <a:pPr/>
               <a:t>9</a:t>
@@ -2657,7 +2660,7 @@
             </a:lvl1pPr>
           </a:lstStyle>
           <a:p>
-            <a:fld id="{B4EB38CC-B618-49CA-A7C4-F217093D4D99}" type="slidenum">
+            <a:fld id="{86C9341A-76D5-4264-8805-6E11450DCCD4}" type="slidenum">
               <a:rPr lang="en-US"/>
               <a:pPr/>
               <a:t>‹#›</a:t>
@@ -2866,7 +2869,7 @@
             </a:lvl1pPr>
           </a:lstStyle>
           <a:p>
-            <a:fld id="{DB20466C-508D-434D-A34D-F732CC558818}" type="slidenum">
+            <a:fld id="{408A7BA2-DEEC-407C-89D3-84BD091531D2}" type="slidenum">
               <a:rPr lang="en-US"/>
               <a:pPr/>
               <a:t>‹#›</a:t>
@@ -3050,7 +3053,7 @@
             </a:lvl1pPr>
           </a:lstStyle>
           <a:p>
-            <a:fld id="{D401A0C1-7BBB-4B41-A495-1510F2C62CDD}" type="slidenum">
+            <a:fld id="{DD567EC8-EACF-4AE8-A469-825313070A36}" type="slidenum">
               <a:rPr lang="en-US"/>
               <a:pPr/>
               <a:t>‹#›</a:t>
@@ -3216,7 +3219,7 @@
             </a:lvl1pPr>
           </a:lstStyle>
           <a:p>
-            <a:fld id="{9C25282B-45CA-4F4B-8423-DE07B9C49888}" type="slidenum">
+            <a:fld id="{CD9D0F0A-279E-4B36-8FB4-3206C6639A6A}" type="slidenum">
               <a:rPr lang="en-US"/>
               <a:pPr/>
               <a:t>‹#›</a:t>
@@ -3472,7 +3475,7 @@
             </a:lvl1pPr>
           </a:lstStyle>
           <a:p>
-            <a:fld id="{F73E9EDB-D3A7-4B73-8059-CC05CCA3F7D9}" type="slidenum">
+            <a:fld id="{395165DF-426A-473C-A7F7-98DA9D94049A}" type="slidenum">
               <a:rPr lang="en-US"/>
               <a:pPr/>
               <a:t>‹#›</a:t>
@@ -3664,7 +3667,7 @@
             </a:lvl1pPr>
           </a:lstStyle>
           <a:p>
-            <a:fld id="{D40A7F73-6924-4200-92D7-977136C83FE7}" type="slidenum">
+            <a:fld id="{889AED1E-3492-4CB9-9743-BA84E91BDA68}" type="slidenum">
               <a:rPr lang="en-US"/>
               <a:pPr/>
               <a:t>‹#›</a:t>
@@ -3838,7 +3841,7 @@
             </a:lvl1pPr>
           </a:lstStyle>
           <a:p>
-            <a:fld id="{C37A4F22-B28D-4991-ABF6-2928393289DB}" type="slidenum">
+            <a:fld id="{17FF5E02-254F-4DB4-900C-3ED20721571E}" type="slidenum">
               <a:rPr lang="en-US"/>
               <a:pPr/>
               <a:t>‹#›</a:t>
@@ -4034,7 +4037,7 @@
             </a:lvl1pPr>
           </a:lstStyle>
           <a:p>
-            <a:fld id="{59D15062-3DA3-4DDC-8925-F97010EF11DB}" type="slidenum">
+            <a:fld id="{9FCC0C13-2AF4-493E-A2A9-52FAF5A2D2F0}" type="slidenum">
               <a:rPr lang="en-US"/>
               <a:pPr/>
               <a:t>‹#›</a:t>
@@ -4326,7 +4329,7 @@
             </a:lvl1pPr>
           </a:lstStyle>
           <a:p>
-            <a:fld id="{7188CD7E-7CB8-4AE2-8B5F-D30161798663}" type="slidenum">
+            <a:fld id="{2C5FE72B-44E5-4822-86BB-E8E793FFA0C7}" type="slidenum">
               <a:rPr lang="en-US"/>
               <a:pPr/>
               <a:t>‹#›</a:t>
@@ -4757,7 +4760,7 @@
             </a:lvl1pPr>
           </a:lstStyle>
           <a:p>
-            <a:fld id="{0A284FDA-177D-4537-A126-420783FA7B02}" type="slidenum">
+            <a:fld id="{F3557330-EF68-406A-879B-5F761E0DD31D}" type="slidenum">
               <a:rPr lang="en-US"/>
               <a:pPr/>
               <a:t>‹#›</a:t>
@@ -4879,7 +4882,7 @@
             </a:lvl1pPr>
           </a:lstStyle>
           <a:p>
-            <a:fld id="{DCFE413B-2A1E-4A6C-B37F-83D343854B5C}" type="slidenum">
+            <a:fld id="{21E65A8D-7A74-4A4A-B78E-E1AF173267BF}" type="slidenum">
               <a:rPr lang="en-US"/>
               <a:pPr/>
               <a:t>‹#›</a:t>
@@ -5053,7 +5056,7 @@
             </a:lvl1pPr>
           </a:lstStyle>
           <a:p>
-            <a:fld id="{03005A1C-883A-4D05-871F-CDF2CC906C2E}" type="slidenum">
+            <a:fld id="{CA970F21-4A87-40D0-BC46-DABA1F7E57F1}" type="slidenum">
               <a:rPr lang="en-US"/>
               <a:pPr/>
               <a:t>‹#›</a:t>
@@ -5152,7 +5155,7 @@
             </a:lvl1pPr>
           </a:lstStyle>
           <a:p>
-            <a:fld id="{071A00F5-DC8A-447A-812A-2F1940741A68}" type="slidenum">
+            <a:fld id="{16693469-8B35-402F-9647-9AD9A10219A6}" type="slidenum">
               <a:rPr lang="en-US"/>
               <a:pPr/>
               <a:t>‹#›</a:t>
@@ -5433,7 +5436,7 @@
             </a:lvl1pPr>
           </a:lstStyle>
           <a:p>
-            <a:fld id="{7DD732F4-824B-48E7-8EE1-75F6979E26FC}" type="slidenum">
+            <a:fld id="{DE1138E2-8459-4224-B4B2-D0A82BAE84B4}" type="slidenum">
               <a:rPr lang="en-US"/>
               <a:pPr/>
               <a:t>‹#›</a:t>
@@ -5690,7 +5693,7 @@
             </a:lvl1pPr>
           </a:lstStyle>
           <a:p>
-            <a:fld id="{3CAAB941-9988-4148-BC72-369DF07409CF}" type="slidenum">
+            <a:fld id="{CCE4C386-B0BB-404C-81AC-37CCA64C30C2}" type="slidenum">
               <a:rPr lang="en-US"/>
               <a:pPr/>
               <a:t>‹#›</a:t>
@@ -5864,7 +5867,7 @@
             </a:lvl1pPr>
           </a:lstStyle>
           <a:p>
-            <a:fld id="{ADF587F8-E103-4601-942B-27889EE20648}" type="slidenum">
+            <a:fld id="{1513DB16-83A6-4BA5-B655-71576E69B113}" type="slidenum">
               <a:rPr lang="en-US"/>
               <a:pPr/>
               <a:t>‹#›</a:t>
@@ -6048,7 +6051,7 @@
             </a:lvl1pPr>
           </a:lstStyle>
           <a:p>
-            <a:fld id="{48D30E9C-CD89-4329-A7E8-FCCB912C2905}" type="slidenum">
+            <a:fld id="{45D745D2-202C-4592-9A6C-E54542B4FC61}" type="slidenum">
               <a:rPr lang="en-US"/>
               <a:pPr/>
               <a:t>‹#›</a:t>
@@ -6240,7 +6243,7 @@
             </a:lvl1pPr>
           </a:lstStyle>
           <a:p>
-            <a:fld id="{3F207B3E-1F3B-4500-BA1B-1C8637B11E43}" type="slidenum">
+            <a:fld id="{71BFFA28-9D02-44B0-9BAB-2E31946A1E1C}" type="slidenum">
               <a:rPr lang="en-US"/>
               <a:pPr/>
               <a:t>‹#›</a:t>
@@ -6414,7 +6417,7 @@
             </a:lvl1pPr>
           </a:lstStyle>
           <a:p>
-            <a:fld id="{6E08D05E-369B-4362-A1CF-9C62EEDBE2DF}" type="slidenum">
+            <a:fld id="{6302371A-BDB4-44A4-8CE2-06DF9F16DE06}" type="slidenum">
               <a:rPr lang="en-US"/>
               <a:pPr/>
               <a:t>‹#›</a:t>
@@ -6610,7 +6613,7 @@
             </a:lvl1pPr>
           </a:lstStyle>
           <a:p>
-            <a:fld id="{0DA2652E-0B0D-47DF-8C05-6B9E10901996}" type="slidenum">
+            <a:fld id="{9CD0ED11-59A6-40DF-A4B3-080C295D51CC}" type="slidenum">
               <a:rPr lang="en-US"/>
               <a:pPr/>
               <a:t>‹#›</a:t>
@@ -6902,7 +6905,7 @@
             </a:lvl1pPr>
           </a:lstStyle>
           <a:p>
-            <a:fld id="{8981D8A6-0658-4151-8AE5-96BFEB57A32D}" type="slidenum">
+            <a:fld id="{83E273A7-C283-4D08-BD52-84F5B8B93F5D}" type="slidenum">
               <a:rPr lang="en-US"/>
               <a:pPr/>
               <a:t>‹#›</a:t>
@@ -7333,7 +7336,7 @@
             </a:lvl1pPr>
           </a:lstStyle>
           <a:p>
-            <a:fld id="{695CFF37-0A8A-4AA1-AA2B-FE59A4E714FE}" type="slidenum">
+            <a:fld id="{B01A58B1-AC22-467B-8DD9-44E682D74D62}" type="slidenum">
               <a:rPr lang="en-US"/>
               <a:pPr/>
               <a:t>‹#›</a:t>
@@ -7529,7 +7532,7 @@
             </a:lvl1pPr>
           </a:lstStyle>
           <a:p>
-            <a:fld id="{7132D223-EC44-4386-B887-EE881A7AF32B}" type="slidenum">
+            <a:fld id="{48086D0F-BDFA-4B6E-B189-F4C00E8F151E}" type="slidenum">
               <a:rPr lang="en-US"/>
               <a:pPr/>
               <a:t>‹#›</a:t>
@@ -7651,7 +7654,7 @@
             </a:lvl1pPr>
           </a:lstStyle>
           <a:p>
-            <a:fld id="{AD35F4E0-C7C2-4845-A282-1A150B4C536B}" type="slidenum">
+            <a:fld id="{BECA39C7-D676-42A1-B9B6-4174AC346383}" type="slidenum">
               <a:rPr lang="en-US"/>
               <a:pPr/>
               <a:t>‹#›</a:t>
@@ -7750,7 +7753,7 @@
             </a:lvl1pPr>
           </a:lstStyle>
           <a:p>
-            <a:fld id="{7ED2254F-03AC-4616-B90E-40FA51943EEA}" type="slidenum">
+            <a:fld id="{ECD39B38-D142-4A7E-B642-6C4B8DD683EA}" type="slidenum">
               <a:rPr lang="en-US"/>
               <a:pPr/>
               <a:t>‹#›</a:t>
@@ -8031,7 +8034,7 @@
             </a:lvl1pPr>
           </a:lstStyle>
           <a:p>
-            <a:fld id="{E6360814-8952-4885-967B-64DEFCB2E8D8}" type="slidenum">
+            <a:fld id="{ADEDB361-FA3B-4274-A7EE-9567906AEB99}" type="slidenum">
               <a:rPr lang="en-US"/>
               <a:pPr/>
               <a:t>‹#›</a:t>
@@ -8288,7 +8291,7 @@
             </a:lvl1pPr>
           </a:lstStyle>
           <a:p>
-            <a:fld id="{016FC592-AEEB-4F7D-A40D-679370115D12}" type="slidenum">
+            <a:fld id="{7B3693D9-2E19-4DF4-B27F-86B596901733}" type="slidenum">
               <a:rPr lang="en-US"/>
               <a:pPr/>
               <a:t>‹#›</a:t>
@@ -8462,7 +8465,7 @@
             </a:lvl1pPr>
           </a:lstStyle>
           <a:p>
-            <a:fld id="{D5486E14-8817-4084-B79D-432D1CD8096A}" type="slidenum">
+            <a:fld id="{2C129B06-4A12-43D3-A357-2EB54A74AB3E}" type="slidenum">
               <a:rPr lang="en-US"/>
               <a:pPr/>
               <a:t>‹#›</a:t>
@@ -8646,7 +8649,7 @@
             </a:lvl1pPr>
           </a:lstStyle>
           <a:p>
-            <a:fld id="{F146515D-CA7F-401B-B389-202241113339}" type="slidenum">
+            <a:fld id="{F0FC5694-5C19-4BF8-A70A-10D76687C909}" type="slidenum">
               <a:rPr lang="en-US"/>
               <a:pPr/>
               <a:t>‹#›</a:t>
@@ -8843,7 +8846,7 @@
             </a:lvl1pPr>
           </a:lstStyle>
           <a:p>
-            <a:fld id="{195FA40D-16DF-47C6-9C18-8A6EE388F62E}" type="slidenum">
+            <a:fld id="{1C103A25-770F-4E8A-ADB6-28DDCCC88338}" type="slidenum">
               <a:rPr lang="en-US"/>
               <a:pPr/>
               <a:t>‹#›</a:t>
@@ -9052,7 +9055,7 @@
             </a:lvl1pPr>
           </a:lstStyle>
           <a:p>
-            <a:fld id="{F2D624D9-2377-41AE-A7D2-1544DC72F488}" type="slidenum">
+            <a:fld id="{A0E2628A-C39B-43E5-8D9C-05B5D82A8245}" type="slidenum">
               <a:rPr lang="en-US"/>
               <a:pPr/>
               <a:t>‹#›</a:t>
@@ -9248,7 +9251,7 @@
             </a:lvl1pPr>
           </a:lstStyle>
           <a:p>
-            <a:fld id="{E0F658BA-203C-424E-9294-C379C8DF3A19}" type="slidenum">
+            <a:fld id="{24D65D73-EB98-4CBE-BD99-10DD88F942DD}" type="slidenum">
               <a:rPr lang="en-US"/>
               <a:pPr/>
               <a:t>‹#›</a:t>
@@ -9540,7 +9543,7 @@
             </a:lvl1pPr>
           </a:lstStyle>
           <a:p>
-            <a:fld id="{5AA5956C-8A6F-45D7-A962-4364CC286B24}" type="slidenum">
+            <a:fld id="{A2A889DA-BD84-44F1-BE1F-489E774E226E}" type="slidenum">
               <a:rPr lang="en-US"/>
               <a:pPr/>
               <a:t>‹#›</a:t>
@@ -9832,7 +9835,7 @@
             </a:lvl1pPr>
           </a:lstStyle>
           <a:p>
-            <a:fld id="{0504DEBD-173B-4427-B22C-1B1E7F0F9D9B}" type="slidenum">
+            <a:fld id="{254DED22-5EC2-4458-BF60-8D7B24047F97}" type="slidenum">
               <a:rPr lang="en-US"/>
               <a:pPr/>
               <a:t>‹#›</a:t>
@@ -10263,7 +10266,7 @@
             </a:lvl1pPr>
           </a:lstStyle>
           <a:p>
-            <a:fld id="{55EC46FB-77B3-4817-B5B3-6D6431B5D7BC}" type="slidenum">
+            <a:fld id="{B3F09C77-6EFF-489C-B439-52898796874C}" type="slidenum">
               <a:rPr lang="en-US"/>
               <a:pPr/>
               <a:t>‹#›</a:t>
@@ -10385,7 +10388,7 @@
             </a:lvl1pPr>
           </a:lstStyle>
           <a:p>
-            <a:fld id="{9E5CCE7C-1118-40AA-9B0F-79E2FF9B15EA}" type="slidenum">
+            <a:fld id="{64827007-1CC1-4AF0-84AD-E550AC6A64F1}" type="slidenum">
               <a:rPr lang="en-US"/>
               <a:pPr/>
               <a:t>‹#›</a:t>
@@ -10484,7 +10487,7 @@
             </a:lvl1pPr>
           </a:lstStyle>
           <a:p>
-            <a:fld id="{84061137-06BE-4F4D-9F66-E8BDB709E53F}" type="slidenum">
+            <a:fld id="{283FE3D7-551B-47D5-858B-1A5B0A599EB7}" type="slidenum">
               <a:rPr lang="en-US"/>
               <a:pPr/>
               <a:t>‹#›</a:t>
@@ -10765,7 +10768,7 @@
             </a:lvl1pPr>
           </a:lstStyle>
           <a:p>
-            <a:fld id="{554D0E2A-8780-44CE-9F45-21B1EA144A63}" type="slidenum">
+            <a:fld id="{58950B52-F1C0-497E-B65B-22849813BF84}" type="slidenum">
               <a:rPr lang="en-US"/>
               <a:pPr/>
               <a:t>‹#›</a:t>
@@ -11022,7 +11025,7 @@
             </a:lvl1pPr>
           </a:lstStyle>
           <a:p>
-            <a:fld id="{4BBCB651-2245-416F-9E80-F4362E0D25FF}" type="slidenum">
+            <a:fld id="{C31AD0D9-2C43-44D8-A722-72D7BA228FCD}" type="slidenum">
               <a:rPr lang="en-US"/>
               <a:pPr/>
               <a:t>‹#›</a:t>
@@ -11196,7 +11199,7 @@
             </a:lvl1pPr>
           </a:lstStyle>
           <a:p>
-            <a:fld id="{A9917118-AB16-47CB-ABD3-50AB2A0840B1}" type="slidenum">
+            <a:fld id="{10CAADD8-A650-4BCA-9C40-BA868DB845EA}" type="slidenum">
               <a:rPr lang="en-US"/>
               <a:pPr/>
               <a:t>‹#›</a:t>
@@ -11380,7 +11383,7 @@
             </a:lvl1pPr>
           </a:lstStyle>
           <a:p>
-            <a:fld id="{E359D6B3-C84B-4683-B3CC-CDADAD0A4BB8}" type="slidenum">
+            <a:fld id="{F945E280-4E47-41D0-B1C2-1573402CFB74}" type="slidenum">
               <a:rPr lang="en-US"/>
               <a:pPr/>
               <a:t>‹#›</a:t>
@@ -11572,7 +11575,7 @@
             </a:lvl1pPr>
           </a:lstStyle>
           <a:p>
-            <a:fld id="{A958ADAD-F6F1-455E-ACBD-80379145BE33}" type="slidenum">
+            <a:fld id="{53822403-C188-4FAE-9AF9-3B99EF97792B}" type="slidenum">
               <a:rPr lang="en-US"/>
               <a:pPr/>
               <a:t>‹#›</a:t>
@@ -11746,7 +11749,7 @@
             </a:lvl1pPr>
           </a:lstStyle>
           <a:p>
-            <a:fld id="{2AA07638-24C4-4E1F-85C5-2CF4551D86E7}" type="slidenum">
+            <a:fld id="{8DBB8B9C-E4D7-4A63-B6B1-6F0F2DAFFB0F}" type="slidenum">
               <a:rPr lang="en-US"/>
               <a:pPr/>
               <a:t>‹#›</a:t>
@@ -11942,7 +11945,7 @@
             </a:lvl1pPr>
           </a:lstStyle>
           <a:p>
-            <a:fld id="{CA5CA9D4-747F-41FE-B336-2ABC2B8804F6}" type="slidenum">
+            <a:fld id="{05A8C77B-9982-48FC-B10D-688028147770}" type="slidenum">
               <a:rPr lang="en-US"/>
               <a:pPr/>
               <a:t>‹#›</a:t>
@@ -12373,7 +12376,7 @@
             </a:lvl1pPr>
           </a:lstStyle>
           <a:p>
-            <a:fld id="{AE5B1D3C-ABD0-460F-B476-004BD1335C1A}" type="slidenum">
+            <a:fld id="{C2DC273C-6ED1-41F2-B340-CB861BE1712F}" type="slidenum">
               <a:rPr lang="en-US"/>
               <a:pPr/>
               <a:t>‹#›</a:t>
@@ -12665,7 +12668,7 @@
             </a:lvl1pPr>
           </a:lstStyle>
           <a:p>
-            <a:fld id="{65B7B796-AA56-46DA-A0A9-407391CD97E6}" type="slidenum">
+            <a:fld id="{91F52AD6-180B-4BC5-9E10-FD8558F81877}" type="slidenum">
               <a:rPr lang="en-US"/>
               <a:pPr/>
               <a:t>‹#›</a:t>
@@ -13096,7 +13099,7 @@
             </a:lvl1pPr>
           </a:lstStyle>
           <a:p>
-            <a:fld id="{FDD92E20-D664-411E-BF22-4F2E581D5F45}" type="slidenum">
+            <a:fld id="{30F0E53F-08A3-4B53-A9D8-2EAEC3E92F53}" type="slidenum">
               <a:rPr lang="en-US"/>
               <a:pPr/>
               <a:t>‹#›</a:t>
@@ -13218,7 +13221,7 @@
             </a:lvl1pPr>
           </a:lstStyle>
           <a:p>
-            <a:fld id="{2B86CE83-10D2-4A02-A50E-E0C5D49F8723}" type="slidenum">
+            <a:fld id="{8D9AC507-A5C3-47D5-B4BC-5923C6C32EFA}" type="slidenum">
               <a:rPr lang="en-US"/>
               <a:pPr/>
               <a:t>‹#›</a:t>
@@ -13317,7 +13320,7 @@
             </a:lvl1pPr>
           </a:lstStyle>
           <a:p>
-            <a:fld id="{34FA6820-9198-4CD7-9952-00C36FD52FC4}" type="slidenum">
+            <a:fld id="{F85E6D8E-14D3-4A95-BA93-CB00FCDA0A36}" type="slidenum">
               <a:rPr lang="en-US"/>
               <a:pPr/>
               <a:t>‹#›</a:t>
@@ -13598,7 +13601,7 @@
             </a:lvl1pPr>
           </a:lstStyle>
           <a:p>
-            <a:fld id="{304CEA80-0C56-4F5B-A185-FD0EDE49CF28}" type="slidenum">
+            <a:fld id="{C2225FBA-F8B1-4F50-A616-C0FB7A633551}" type="slidenum">
               <a:rPr lang="en-US"/>
               <a:pPr/>
               <a:t>‹#›</a:t>
@@ -13855,7 +13858,7 @@
             </a:lvl1pPr>
           </a:lstStyle>
           <a:p>
-            <a:fld id="{21C22698-149E-456E-A332-A34DFD14A678}" type="slidenum">
+            <a:fld id="{EF0B8290-EA60-4E8F-ADBB-143A4724AA60}" type="slidenum">
               <a:rPr lang="en-US"/>
               <a:pPr/>
               <a:t>‹#›</a:t>
@@ -14029,7 +14032,7 @@
             </a:lvl1pPr>
           </a:lstStyle>
           <a:p>
-            <a:fld id="{BDA33A69-EA5E-41C1-8458-4C1BF7CBF0FF}" type="slidenum">
+            <a:fld id="{86B2D5DC-CE3D-4DCC-B8E1-9741890AF450}" type="slidenum">
               <a:rPr lang="en-US"/>
               <a:pPr/>
               <a:t>‹#›</a:t>
@@ -14213,7 +14216,7 @@
             </a:lvl1pPr>
           </a:lstStyle>
           <a:p>
-            <a:fld id="{8F91225F-7267-4C67-ABD8-4A32D8DB7449}" type="slidenum">
+            <a:fld id="{558539B7-7848-4DA0-B097-C1903FF2EAF6}" type="slidenum">
               <a:rPr lang="en-US"/>
               <a:pPr/>
               <a:t>‹#›</a:t>
@@ -14410,7 +14413,7 @@
             </a:lvl1pPr>
           </a:lstStyle>
           <a:p>
-            <a:fld id="{57ED4A0F-30FF-4A06-A340-E277E3C321E0}" type="slidenum">
+            <a:fld id="{56FC269A-F7E0-4809-8C99-2ED4ADF48365}" type="slidenum">
               <a:rPr lang="en-US"/>
               <a:pPr/>
               <a:t>‹#›</a:t>
@@ -14619,7 +14622,7 @@
             </a:lvl1pPr>
           </a:lstStyle>
           <a:p>
-            <a:fld id="{641619E7-BA1C-4E34-A8D2-2A08A73E3305}" type="slidenum">
+            <a:fld id="{505B0485-D50F-4E82-B7D5-A7A902A721D4}" type="slidenum">
               <a:rPr lang="en-US"/>
               <a:pPr/>
               <a:t>‹#›</a:t>
@@ -14741,7 +14744,7 @@
             </a:lvl1pPr>
           </a:lstStyle>
           <a:p>
-            <a:fld id="{DAFADE11-9D2F-4DC9-848E-72AE1807B39E}" type="slidenum">
+            <a:fld id="{01A221CB-51F3-436B-8E32-D0D14547F078}" type="slidenum">
               <a:rPr lang="en-US"/>
               <a:pPr/>
               <a:t>‹#›</a:t>
@@ -14937,7 +14940,7 @@
             </a:lvl1pPr>
           </a:lstStyle>
           <a:p>
-            <a:fld id="{47338F8D-CE4A-4D14-A9A7-D22DBD57458C}" type="slidenum">
+            <a:fld id="{D5776EA9-D3FD-43A7-8A6D-82775995373C}" type="slidenum">
               <a:rPr lang="en-US"/>
               <a:pPr/>
               <a:t>‹#›</a:t>
@@ -15229,7 +15232,7 @@
             </a:lvl1pPr>
           </a:lstStyle>
           <a:p>
-            <a:fld id="{A4E809C3-C89D-4183-BA56-4A606F8267F5}" type="slidenum">
+            <a:fld id="{1B68AE64-BC12-4BCD-99C1-809211276BDE}" type="slidenum">
               <a:rPr lang="en-US"/>
               <a:pPr/>
               <a:t>‹#›</a:t>
@@ -15660,7 +15663,7 @@
             </a:lvl1pPr>
           </a:lstStyle>
           <a:p>
-            <a:fld id="{DDC2F5E7-3943-4395-9305-7920D3FD28E9}" type="slidenum">
+            <a:fld id="{15890E1A-F97C-4FDC-907F-AB5009862BBD}" type="slidenum">
               <a:rPr lang="en-US"/>
               <a:pPr/>
               <a:t>‹#›</a:t>
@@ -15782,7 +15785,7 @@
             </a:lvl1pPr>
           </a:lstStyle>
           <a:p>
-            <a:fld id="{5993054E-915D-424A-BC8F-C414F0E86999}" type="slidenum">
+            <a:fld id="{FBAA4A5B-A15C-4535-8094-2A5C0375E679}" type="slidenum">
               <a:rPr lang="en-US"/>
               <a:pPr/>
               <a:t>‹#›</a:t>
@@ -15881,7 +15884,7 @@
             </a:lvl1pPr>
           </a:lstStyle>
           <a:p>
-            <a:fld id="{9E986D11-885A-461B-B209-91E03023CBD4}" type="slidenum">
+            <a:fld id="{08F2DC47-6F1A-4C79-9309-C3B263D9FA8B}" type="slidenum">
               <a:rPr lang="en-US"/>
               <a:pPr/>
               <a:t>‹#›</a:t>
@@ -16162,7 +16165,7 @@
             </a:lvl1pPr>
           </a:lstStyle>
           <a:p>
-            <a:fld id="{84029143-7B2D-4392-894B-A45B30C1D58E}" type="slidenum">
+            <a:fld id="{D9D3DDFC-0A83-4A7E-B014-2EF23B55EF48}" type="slidenum">
               <a:rPr lang="en-US"/>
               <a:pPr/>
               <a:t>‹#›</a:t>
@@ -16419,7 +16422,7 @@
             </a:lvl1pPr>
           </a:lstStyle>
           <a:p>
-            <a:fld id="{454455FF-F62A-4218-9604-9B2DBC59773E}" type="slidenum">
+            <a:fld id="{7829B741-541C-466F-A741-494FBAFD2FDA}" type="slidenum">
               <a:rPr lang="en-US"/>
               <a:pPr/>
               <a:t>‹#›</a:t>
@@ -16593,7 +16596,7 @@
             </a:lvl1pPr>
           </a:lstStyle>
           <a:p>
-            <a:fld id="{AD6C9F84-D0D1-4147-9AEC-B5C8BB76919D}" type="slidenum">
+            <a:fld id="{7FCD5766-1134-40DA-9825-0FED687D5944}" type="slidenum">
               <a:rPr lang="en-US"/>
               <a:pPr/>
               <a:t>‹#›</a:t>
@@ -16777,7 +16780,7 @@
             </a:lvl1pPr>
           </a:lstStyle>
           <a:p>
-            <a:fld id="{035A355F-C19B-488B-B254-DDFD3BE909F8}" type="slidenum">
+            <a:fld id="{C4214F5C-7513-4EB7-99F1-AA8192BA0A7E}" type="slidenum">
               <a:rPr lang="en-US"/>
               <a:pPr/>
               <a:t>‹#›</a:t>
@@ -16876,7 +16879,7 @@
             </a:lvl1pPr>
           </a:lstStyle>
           <a:p>
-            <a:fld id="{CCB92BA0-9427-4CDF-A850-FCD17705C944}" type="slidenum">
+            <a:fld id="{C27B71FA-6417-47E5-AA31-811EFAC8254F}" type="slidenum">
               <a:rPr lang="en-US"/>
               <a:pPr/>
               <a:t>‹#›</a:t>
@@ -17157,7 +17160,7 @@
             </a:lvl1pPr>
           </a:lstStyle>
           <a:p>
-            <a:fld id="{04512BA1-4817-4E2E-8F54-30A21A20A168}" type="slidenum">
+            <a:fld id="{859C7033-1B38-4F0C-AA37-38EFB210F718}" type="slidenum">
               <a:rPr lang="en-US"/>
               <a:pPr/>
               <a:t>‹#›</a:t>
@@ -17414,7 +17417,7 @@
             </a:lvl1pPr>
           </a:lstStyle>
           <a:p>
-            <a:fld id="{7C32EE1C-24A7-4BDA-93EB-4E04FFDA82D7}" type="slidenum">
+            <a:fld id="{EEF36C70-1C6B-4898-8AD9-D57C30396C7B}" type="slidenum">
               <a:rPr lang="en-US"/>
               <a:pPr/>
               <a:t>‹#›</a:t>
@@ -17730,7 +17733,7 @@
             </a:lvl1pPr>
           </a:lstStyle>
           <a:p>
-            <a:fld id="{763D1860-36F3-44A0-A710-D688A26E3E19}" type="slidenum">
+            <a:fld id="{EBD65B87-FB46-4093-B17D-528520D6B915}" type="slidenum">
               <a:rPr lang="en-US"/>
               <a:pPr/>
               <a:t>‹#›</a:t>
@@ -18471,7 +18474,7 @@
             </a:lvl1pPr>
           </a:lstStyle>
           <a:p>
-            <a:fld id="{FAAE4A62-7140-4464-855C-9B756795999D}" type="slidenum">
+            <a:fld id="{57385B9E-4894-4562-824B-8FE8E2B79B70}" type="slidenum">
               <a:rPr lang="en-US"/>
               <a:pPr/>
               <a:t>‹#›</a:t>
@@ -19170,7 +19173,7 @@
             </a:lvl1pPr>
           </a:lstStyle>
           <a:p>
-            <a:fld id="{BEA3F09A-5F99-4148-B03D-58945843FD67}" type="slidenum">
+            <a:fld id="{8B479E22-29D0-47E8-93EF-F4B0D564392E}" type="slidenum">
               <a:rPr lang="en-US"/>
               <a:pPr/>
               <a:t>‹#›</a:t>
@@ -19897,7 +19900,7 @@
             </a:lvl1pPr>
           </a:lstStyle>
           <a:p>
-            <a:fld id="{1C1F7C99-D4D1-4D93-80E6-EEEC00EE3194}" type="slidenum">
+            <a:fld id="{0CD7D3E8-8B7F-4B9A-84CE-BF1980E9E34E}" type="slidenum">
               <a:rPr lang="en-US"/>
               <a:pPr/>
               <a:t>‹#›</a:t>
@@ -20630,7 +20633,7 @@
             </a:lvl1pPr>
           </a:lstStyle>
           <a:p>
-            <a:fld id="{DB22F02F-973B-44A4-94A2-D2AC4A77B90B}" type="slidenum">
+            <a:fld id="{95504D9A-1494-421C-A29D-9343C0DAA56C}" type="slidenum">
               <a:rPr lang="en-US"/>
               <a:pPr/>
               <a:t>‹#›</a:t>
@@ -21348,7 +21351,7 @@
             </a:lvl1pPr>
           </a:lstStyle>
           <a:p>
-            <a:fld id="{E33AC37A-C9C9-4CF2-9E0D-A83D84968CAD}" type="slidenum">
+            <a:fld id="{ED3393C3-EE4B-4C85-A804-6312060FF5F1}" type="slidenum">
               <a:rPr lang="en-US"/>
               <a:pPr/>
               <a:t>‹#›</a:t>
@@ -21856,7 +21859,7 @@
         </p:nvSpPr>
         <p:spPr>
           <a:xfrm>
-            <a:off x="1573213" y="1943100"/>
+            <a:off x="1148017" y="1943100"/>
             <a:ext cx="7227887" cy="1470025"/>
           </a:xfrm>
         </p:spPr>
@@ -21864,14 +21867,36 @@
           <a:bodyPr/>
           <a:lstStyle/>
           <a:p>
-            <a:r>
-              <a:rPr lang="en-US">
+            <a:pPr algn="ctr"/>
+            <a:r>
+              <a:rPr lang="en-US" dirty="0" smtClean="0">
                 <a:solidFill>
                   <a:schemeClr val="tx1"/>
                 </a:solidFill>
               </a:rPr>
-              <a:t>Keystone Family PCIE</a:t>
-            </a:r>
+              <a:t>Keystone </a:t>
+            </a:r>
+            <a:r>
+              <a:rPr lang="en-US" dirty="0" err="1" smtClean="0">
+                <a:solidFill>
+                  <a:schemeClr val="tx1"/>
+                </a:solidFill>
+              </a:rPr>
+              <a:t>PCIe</a:t>
+            </a:r>
+            <a:r>
+              <a:rPr lang="en-US" dirty="0" smtClean="0">
+                <a:solidFill>
+                  <a:schemeClr val="tx1"/>
+                </a:solidFill>
+              </a:rPr>
+              <a:t> Usage</a:t>
+            </a:r>
+            <a:endParaRPr lang="en-US" dirty="0">
+              <a:solidFill>
+                <a:schemeClr val="tx1"/>
+              </a:solidFill>
+            </a:endParaRPr>
           </a:p>
         </p:txBody>
       </p:sp>
@@ -25022,7 +25047,7 @@
         <p:nvPicPr>
           <p:cNvPr id="225293" name="Picture 13"/>
           <p:cNvPicPr>
-            <a:picLocks noChangeAspect="1" noChangeArrowheads="1"/>
+            <a:picLocks noGrp="1" noChangeAspect="1" noChangeArrowheads="1"/>
           </p:cNvPicPr>
           <p:nvPr>
             <p:ph type="body" idx="1"/>
@@ -25610,7 +25635,7 @@
           <a:lstStyle/>
           <a:p>
             <a:pPr algn="r"/>
-            <a:fld id="{33A28CE8-755A-4D52-A5A1-A40C14258C25}" type="slidenum">
+            <a:fld id="{07394801-2121-4118-BEE5-8AFD2145D830}" type="slidenum">
               <a:rPr lang="en-US" sz="800"/>
               <a:pPr algn="r"/>
               <a:t>5</a:t>
@@ -28713,6 +28738,12 @@
 </p:sld>
 </file>
 
+<file path=ppt/tags/tag1.xml><?xml version="1.0" encoding="utf-8"?>
+<p:tagLst xmlns:a="http://schemas.openxmlformats.org/drawingml/2006/main" xmlns:r="http://schemas.openxmlformats.org/officeDocument/2006/relationships" xmlns:p="http://schemas.openxmlformats.org/presentationml/2006/main">
+  <p:tag name="ARTICULATE_PROJECT_OPEN" val="0"/>
+</p:tagLst>
+</file>
+
 <file path=ppt/theme/theme1.xml><?xml version="1.0" encoding="utf-8"?>
 <a:theme xmlns:a="http://schemas.openxmlformats.org/drawingml/2006/main" name="FinalPowerpoint">
   <a:themeElements>
